--- a/Projecto/Apresentação/Modelo Cronologia Geral.pptx
+++ b/Projecto/Apresentação/Modelo Cronologia Geral.pptx
@@ -1,6 +1,6 @@
 
 <file path=ppt/presentation.xml><?xml version="1.0" encoding="utf-8"?>
-<p:presentation xmlns:a="http://schemas.openxmlformats.org/drawingml/2006/main" xmlns:r="http://schemas.openxmlformats.org/officeDocument/2006/relationships" xmlns:p="http://schemas.openxmlformats.org/presentationml/2006/main" autoCompressPictures="0">
+<p:presentation xmlns:a="http://schemas.openxmlformats.org/drawingml/2006/main" xmlns:r="http://schemas.openxmlformats.org/officeDocument/2006/relationships" xmlns:p="http://schemas.openxmlformats.org/presentationml/2006/main" saveSubsetFonts="1" autoCompressPictures="0">
   <p:sldMasterIdLst>
     <p:sldMasterId id="2147483840" r:id="rId1"/>
   </p:sldMasterIdLst>
@@ -9,6 +9,9 @@
     <p:sldId id="257" r:id="rId3"/>
     <p:sldId id="258" r:id="rId4"/>
     <p:sldId id="259" r:id="rId5"/>
+    <p:sldId id="260" r:id="rId6"/>
+    <p:sldId id="261" r:id="rId7"/>
+    <p:sldId id="262" r:id="rId8"/>
   </p:sldIdLst>
   <p:sldSz cx="12192000" cy="6858000"/>
   <p:notesSz cx="6858000" cy="9144000"/>
@@ -301,7 +304,7 @@
             <a:fld id="{8E36636D-D922-432D-A958-524484B5923D}" type="datetimeFigureOut">
               <a:rPr lang="en-US" dirty="0"/>
               <a:pPr/>
-              <a:t>5/18/2016</a:t>
+              <a:t>5/18/16</a:t>
             </a:fld>
             <a:endParaRPr lang="en-US" dirty="0"/>
           </a:p>
@@ -595,7 +598,7 @@
           <a:p>
             <a:fld id="{48A87A34-81AB-432B-8DAE-1953F412C126}" type="datetimeFigureOut">
               <a:rPr lang="en-US" dirty="0"/>
-              <a:t>5/18/2016</a:t>
+              <a:t>5/18/16</a:t>
             </a:fld>
             <a:endParaRPr lang="en-US" dirty="0"/>
           </a:p>
@@ -782,7 +785,7 @@
           <a:p>
             <a:fld id="{48A87A34-81AB-432B-8DAE-1953F412C126}" type="datetimeFigureOut">
               <a:rPr lang="en-US" dirty="0"/>
-              <a:t>5/18/2016</a:t>
+              <a:t>5/18/16</a:t>
             </a:fld>
             <a:endParaRPr lang="en-US" dirty="0"/>
           </a:p>
@@ -1038,7 +1041,7 @@
           <a:p>
             <a:fld id="{48A87A34-81AB-432B-8DAE-1953F412C126}" type="datetimeFigureOut">
               <a:rPr lang="en-US" dirty="0"/>
-              <a:t>5/18/2016</a:t>
+              <a:t>5/18/16</a:t>
             </a:fld>
             <a:endParaRPr lang="en-US" dirty="0"/>
           </a:p>
@@ -1457,7 +1460,7 @@
           <a:p>
             <a:fld id="{48A87A34-81AB-432B-8DAE-1953F412C126}" type="datetimeFigureOut">
               <a:rPr lang="en-US" dirty="0"/>
-              <a:t>5/18/2016</a:t>
+              <a:t>5/18/16</a:t>
             </a:fld>
             <a:endParaRPr lang="en-US" dirty="0"/>
           </a:p>
@@ -1989,7 +1992,7 @@
           <a:p>
             <a:fld id="{48A87A34-81AB-432B-8DAE-1953F412C126}" type="datetimeFigureOut">
               <a:rPr lang="en-US" dirty="0"/>
-              <a:t>5/18/2016</a:t>
+              <a:t>5/18/16</a:t>
             </a:fld>
             <a:endParaRPr lang="en-US" dirty="0"/>
           </a:p>
@@ -2848,7 +2851,7 @@
           <a:p>
             <a:fld id="{48A87A34-81AB-432B-8DAE-1953F412C126}" type="datetimeFigureOut">
               <a:rPr lang="en-US" dirty="0"/>
-              <a:t>5/18/2016</a:t>
+              <a:t>5/18/16</a:t>
             </a:fld>
             <a:endParaRPr lang="en-US" dirty="0"/>
           </a:p>
@@ -3014,7 +3017,7 @@
             <a:fld id="{8E36636D-D922-432D-A958-524484B5923D}" type="datetimeFigureOut">
               <a:rPr lang="en-US" dirty="0"/>
               <a:pPr/>
-              <a:t>5/18/2016</a:t>
+              <a:t>5/18/16</a:t>
             </a:fld>
             <a:endParaRPr lang="en-US" dirty="0"/>
           </a:p>
@@ -3195,7 +3198,7 @@
             <a:fld id="{8E36636D-D922-432D-A958-524484B5923D}" type="datetimeFigureOut">
               <a:rPr lang="en-US" dirty="0"/>
               <a:pPr/>
-              <a:t>5/18/2016</a:t>
+              <a:t>5/18/16</a:t>
             </a:fld>
             <a:endParaRPr lang="en-US" dirty="0"/>
           </a:p>
@@ -3362,7 +3365,7 @@
             <a:fld id="{8E36636D-D922-432D-A958-524484B5923D}" type="datetimeFigureOut">
               <a:rPr lang="en-US" dirty="0"/>
               <a:pPr/>
-              <a:t>5/18/2016</a:t>
+              <a:t>5/18/16</a:t>
             </a:fld>
             <a:endParaRPr lang="en-US" dirty="0"/>
           </a:p>
@@ -3603,7 +3606,7 @@
             <a:fld id="{8E36636D-D922-432D-A958-524484B5923D}" type="datetimeFigureOut">
               <a:rPr lang="en-US" dirty="0"/>
               <a:pPr/>
-              <a:t>5/18/2016</a:t>
+              <a:t>5/18/16</a:t>
             </a:fld>
             <a:endParaRPr lang="en-US" dirty="0"/>
           </a:p>
@@ -3836,7 +3839,7 @@
             <a:fld id="{8E36636D-D922-432D-A958-524484B5923D}" type="datetimeFigureOut">
               <a:rPr lang="en-US" dirty="0"/>
               <a:pPr/>
-              <a:t>5/18/2016</a:t>
+              <a:t>5/18/16</a:t>
             </a:fld>
             <a:endParaRPr lang="en-US" dirty="0"/>
           </a:p>
@@ -4299,7 +4302,7 @@
             <a:fld id="{8E36636D-D922-432D-A958-524484B5923D}" type="datetimeFigureOut">
               <a:rPr lang="en-US" dirty="0"/>
               <a:pPr/>
-              <a:t>5/18/2016</a:t>
+              <a:t>5/18/16</a:t>
             </a:fld>
             <a:endParaRPr lang="en-US" dirty="0"/>
           </a:p>
@@ -4414,7 +4417,7 @@
             <a:fld id="{8E36636D-D922-432D-A958-524484B5923D}" type="datetimeFigureOut">
               <a:rPr lang="en-US" dirty="0"/>
               <a:pPr/>
-              <a:t>5/18/2016</a:t>
+              <a:t>5/18/16</a:t>
             </a:fld>
             <a:endParaRPr lang="en-US" dirty="0"/>
           </a:p>
@@ -4506,7 +4509,7 @@
             <a:fld id="{8E36636D-D922-432D-A958-524484B5923D}" type="datetimeFigureOut">
               <a:rPr lang="en-US" dirty="0"/>
               <a:pPr/>
-              <a:t>5/18/2016</a:t>
+              <a:t>5/18/16</a:t>
             </a:fld>
             <a:endParaRPr lang="en-US" dirty="0"/>
           </a:p>
@@ -4758,7 +4761,7 @@
             <a:fld id="{8E36636D-D922-432D-A958-524484B5923D}" type="datetimeFigureOut">
               <a:rPr lang="en-US" dirty="0"/>
               <a:pPr/>
-              <a:t>5/18/2016</a:t>
+              <a:t>5/18/16</a:t>
             </a:fld>
             <a:endParaRPr lang="en-US" dirty="0"/>
           </a:p>
@@ -5055,7 +5058,7 @@
             <a:fld id="{8E36636D-D922-432D-A958-524484B5923D}" type="datetimeFigureOut">
               <a:rPr lang="en-US" dirty="0"/>
               <a:pPr/>
-              <a:t>5/18/2016</a:t>
+              <a:t>5/18/16</a:t>
             </a:fld>
             <a:endParaRPr lang="en-US" dirty="0"/>
           </a:p>
@@ -5286,7 +5289,7 @@
             <a:fld id="{8E36636D-D922-432D-A958-524484B5923D}" type="datetimeFigureOut">
               <a:rPr lang="en-US" dirty="0"/>
               <a:pPr/>
-              <a:t>5/18/2016</a:t>
+              <a:t>5/18/16</a:t>
             </a:fld>
             <a:endParaRPr lang="en-US" dirty="0"/>
           </a:p>
@@ -6731,11 +6734,11 @@
   <p:clrMapOvr>
     <a:masterClrMapping/>
   </p:clrMapOvr>
-  <mc:AlternateContent xmlns:mc="http://schemas.openxmlformats.org/markup-compatibility/2006">
-    <mc:Choice xmlns:p14="http://schemas.microsoft.com/office/powerpoint/2010/main" Requires="p14">
+  <mc:AlternateContent xmlns:mc="http://schemas.openxmlformats.org/markup-compatibility/2006" xmlns:p14="http://schemas.microsoft.com/office/powerpoint/2010/main">
+    <mc:Choice Requires="p14">
       <p:transition p14:dur="10"/>
     </mc:Choice>
-    <mc:Fallback>
+    <mc:Fallback xmlns="">
       <p:transition/>
     </mc:Fallback>
   </mc:AlternateContent>
@@ -7539,11 +7542,11 @@
   <p:clrMapOvr>
     <a:masterClrMapping/>
   </p:clrMapOvr>
-  <mc:AlternateContent xmlns:mc="http://schemas.openxmlformats.org/markup-compatibility/2006">
-    <mc:Choice xmlns:p14="http://schemas.microsoft.com/office/powerpoint/2010/main" Requires="p14">
+  <mc:AlternateContent xmlns:mc="http://schemas.openxmlformats.org/markup-compatibility/2006" xmlns:p14="http://schemas.microsoft.com/office/powerpoint/2010/main">
+    <mc:Choice Requires="p14">
       <p:transition p14:dur="10"/>
     </mc:Choice>
-    <mc:Fallback>
+    <mc:Fallback xmlns="">
       <p:transition/>
     </mc:Fallback>
   </mc:AlternateContent>
@@ -8349,11 +8352,11 @@
   <p:clrMapOvr>
     <a:masterClrMapping/>
   </p:clrMapOvr>
-  <mc:AlternateContent xmlns:mc="http://schemas.openxmlformats.org/markup-compatibility/2006">
-    <mc:Choice xmlns:p14="http://schemas.microsoft.com/office/powerpoint/2010/main" Requires="p14">
+  <mc:AlternateContent xmlns:mc="http://schemas.openxmlformats.org/markup-compatibility/2006" xmlns:p14="http://schemas.microsoft.com/office/powerpoint/2010/main">
+    <mc:Choice Requires="p14">
       <p:transition p14:dur="10"/>
     </mc:Choice>
-    <mc:Fallback>
+    <mc:Fallback xmlns="">
       <p:transition/>
     </mc:Fallback>
   </mc:AlternateContent>
@@ -9153,6 +9156,2330 @@
     <p:extLst>
       <p:ext uri="{BB962C8B-B14F-4D97-AF65-F5344CB8AC3E}">
         <p14:creationId xmlns:p14="http://schemas.microsoft.com/office/powerpoint/2010/main" val="2163798373"/>
+      </p:ext>
+    </p:extLst>
+  </p:cSld>
+  <p:clrMapOvr>
+    <a:masterClrMapping/>
+  </p:clrMapOvr>
+  <mc:AlternateContent xmlns:mc="http://schemas.openxmlformats.org/markup-compatibility/2006" xmlns:p14="http://schemas.microsoft.com/office/powerpoint/2010/main">
+    <mc:Choice Requires="p14">
+      <p:transition p14:dur="10"/>
+    </mc:Choice>
+    <mc:Fallback xmlns="">
+      <p:transition/>
+    </mc:Fallback>
+  </mc:AlternateContent>
+  <p:timing>
+    <p:tnLst>
+      <p:par>
+        <p:cTn id="1" dur="indefinite" restart="never" nodeType="tmRoot"/>
+      </p:par>
+    </p:tnLst>
+  </p:timing>
+</p:sld>
+</file>
+
+<file path=ppt/slides/slide5.xml><?xml version="1.0" encoding="utf-8"?>
+<p:sld xmlns:a="http://schemas.openxmlformats.org/drawingml/2006/main" xmlns:r="http://schemas.openxmlformats.org/officeDocument/2006/relationships" xmlns:p="http://schemas.openxmlformats.org/presentationml/2006/main">
+  <p:cSld>
+    <p:spTree>
+      <p:nvGrpSpPr>
+        <p:cNvPr id="1" name=""/>
+        <p:cNvGrpSpPr/>
+        <p:nvPr/>
+      </p:nvGrpSpPr>
+      <p:grpSpPr>
+        <a:xfrm>
+          <a:off x="0" y="0"/>
+          <a:ext cx="0" cy="0"/>
+          <a:chOff x="0" y="0"/>
+          <a:chExt cx="0" cy="0"/>
+        </a:xfrm>
+      </p:grpSpPr>
+      <p:sp>
+        <p:nvSpPr>
+          <p:cNvPr id="6" name="Retângulo 5"/>
+          <p:cNvSpPr/>
+          <p:nvPr/>
+        </p:nvSpPr>
+        <p:spPr>
+          <a:xfrm>
+            <a:off x="94593" y="3373820"/>
+            <a:ext cx="12170979" cy="262759"/>
+          </a:xfrm>
+          <a:prstGeom prst="rect">
+            <a:avLst/>
+          </a:prstGeom>
+          <a:solidFill>
+            <a:schemeClr val="tx1"/>
+          </a:solidFill>
+          <a:ln>
+            <a:solidFill>
+              <a:schemeClr val="tx1"/>
+            </a:solidFill>
+          </a:ln>
+        </p:spPr>
+        <p:style>
+          <a:lnRef idx="2">
+            <a:schemeClr val="accent1">
+              <a:shade val="50000"/>
+            </a:schemeClr>
+          </a:lnRef>
+          <a:fillRef idx="1">
+            <a:schemeClr val="accent1"/>
+          </a:fillRef>
+          <a:effectRef idx="0">
+            <a:schemeClr val="accent1"/>
+          </a:effectRef>
+          <a:fontRef idx="minor">
+            <a:schemeClr val="lt1"/>
+          </a:fontRef>
+        </p:style>
+        <p:txBody>
+          <a:bodyPr rtlCol="0" anchor="ctr"/>
+          <a:lstStyle/>
+          <a:p>
+            <a:pPr algn="ctr"/>
+            <a:endParaRPr lang="pt-PT"/>
+          </a:p>
+        </p:txBody>
+      </p:sp>
+      <p:sp>
+        <p:nvSpPr>
+          <p:cNvPr id="10" name="CaixaDeTexto 9"/>
+          <p:cNvSpPr txBox="1"/>
+          <p:nvPr/>
+        </p:nvSpPr>
+        <p:spPr>
+          <a:xfrm>
+            <a:off x="10068906" y="4076546"/>
+            <a:ext cx="756745" cy="369332"/>
+          </a:xfrm>
+          <a:prstGeom prst="rect">
+            <a:avLst/>
+          </a:prstGeom>
+          <a:noFill/>
+        </p:spPr>
+        <p:txBody>
+          <a:bodyPr wrap="square" rtlCol="0">
+            <a:spAutoFit/>
+          </a:bodyPr>
+          <a:lstStyle/>
+          <a:p>
+            <a:r>
+              <a:rPr lang="pt-PT" dirty="0" smtClean="0"/>
+              <a:t>1968</a:t>
+            </a:r>
+            <a:endParaRPr lang="pt-PT" dirty="0"/>
+          </a:p>
+        </p:txBody>
+      </p:sp>
+      <p:cxnSp>
+        <p:nvCxnSpPr>
+          <p:cNvPr id="11" name="Conexão reta 10"/>
+          <p:cNvCxnSpPr/>
+          <p:nvPr/>
+        </p:nvCxnSpPr>
+        <p:spPr>
+          <a:xfrm flipH="1">
+            <a:off x="10447278" y="3636581"/>
+            <a:ext cx="1" cy="471495"/>
+          </a:xfrm>
+          <a:prstGeom prst="line">
+            <a:avLst/>
+          </a:prstGeom>
+          <a:ln>
+            <a:solidFill>
+              <a:schemeClr val="tx1"/>
+            </a:solidFill>
+          </a:ln>
+        </p:spPr>
+        <p:style>
+          <a:lnRef idx="3">
+            <a:schemeClr val="dk1"/>
+          </a:lnRef>
+          <a:fillRef idx="0">
+            <a:schemeClr val="dk1"/>
+          </a:fillRef>
+          <a:effectRef idx="2">
+            <a:schemeClr val="dk1"/>
+          </a:effectRef>
+          <a:fontRef idx="minor">
+            <a:schemeClr val="tx1"/>
+          </a:fontRef>
+        </p:style>
+      </p:cxnSp>
+      <p:sp>
+        <p:nvSpPr>
+          <p:cNvPr id="8" name="CaixaDeTexto 7"/>
+          <p:cNvSpPr txBox="1"/>
+          <p:nvPr/>
+        </p:nvSpPr>
+        <p:spPr>
+          <a:xfrm>
+            <a:off x="761981" y="4108075"/>
+            <a:ext cx="1064182" cy="584775"/>
+          </a:xfrm>
+          <a:prstGeom prst="rect">
+            <a:avLst/>
+          </a:prstGeom>
+          <a:noFill/>
+          <a:ln>
+            <a:solidFill>
+              <a:schemeClr val="accent1"/>
+            </a:solidFill>
+          </a:ln>
+        </p:spPr>
+        <p:txBody>
+          <a:bodyPr wrap="square" rtlCol="0">
+            <a:spAutoFit/>
+          </a:bodyPr>
+          <a:lstStyle/>
+          <a:p>
+            <a:r>
+              <a:rPr lang="pt-PT" sz="3200" dirty="0" smtClean="0">
+                <a:solidFill>
+                  <a:srgbClr val="FF0000"/>
+                </a:solidFill>
+              </a:rPr>
+              <a:t>1945</a:t>
+            </a:r>
+            <a:endParaRPr lang="pt-PT" sz="3200" dirty="0">
+              <a:solidFill>
+                <a:srgbClr val="FF0000"/>
+              </a:solidFill>
+            </a:endParaRPr>
+          </a:p>
+        </p:txBody>
+      </p:sp>
+      <p:cxnSp>
+        <p:nvCxnSpPr>
+          <p:cNvPr id="12" name="Conexão reta 11"/>
+          <p:cNvCxnSpPr/>
+          <p:nvPr/>
+        </p:nvCxnSpPr>
+        <p:spPr>
+          <a:xfrm flipH="1">
+            <a:off x="1387360" y="3636580"/>
+            <a:ext cx="1" cy="471495"/>
+          </a:xfrm>
+          <a:prstGeom prst="line">
+            <a:avLst/>
+          </a:prstGeom>
+          <a:ln>
+            <a:solidFill>
+              <a:schemeClr val="accent1"/>
+            </a:solidFill>
+          </a:ln>
+        </p:spPr>
+        <p:style>
+          <a:lnRef idx="3">
+            <a:schemeClr val="dk1"/>
+          </a:lnRef>
+          <a:fillRef idx="0">
+            <a:schemeClr val="dk1"/>
+          </a:fillRef>
+          <a:effectRef idx="2">
+            <a:schemeClr val="dk1"/>
+          </a:effectRef>
+          <a:fontRef idx="minor">
+            <a:schemeClr val="tx1"/>
+          </a:fontRef>
+        </p:style>
+      </p:cxnSp>
+      <p:sp>
+        <p:nvSpPr>
+          <p:cNvPr id="13" name="CaixaDeTexto 12"/>
+          <p:cNvSpPr txBox="1"/>
+          <p:nvPr/>
+        </p:nvSpPr>
+        <p:spPr>
+          <a:xfrm>
+            <a:off x="1954915" y="4076545"/>
+            <a:ext cx="756745" cy="369332"/>
+          </a:xfrm>
+          <a:prstGeom prst="rect">
+            <a:avLst/>
+          </a:prstGeom>
+          <a:noFill/>
+        </p:spPr>
+        <p:txBody>
+          <a:bodyPr wrap="square" rtlCol="0">
+            <a:spAutoFit/>
+          </a:bodyPr>
+          <a:lstStyle/>
+          <a:p>
+            <a:r>
+              <a:rPr lang="pt-PT" dirty="0" smtClean="0"/>
+              <a:t>1945</a:t>
+            </a:r>
+            <a:endParaRPr lang="pt-PT" dirty="0"/>
+          </a:p>
+        </p:txBody>
+      </p:sp>
+      <p:cxnSp>
+        <p:nvCxnSpPr>
+          <p:cNvPr id="14" name="Conexão reta 13"/>
+          <p:cNvCxnSpPr/>
+          <p:nvPr/>
+        </p:nvCxnSpPr>
+        <p:spPr>
+          <a:xfrm flipH="1">
+            <a:off x="2333288" y="3636580"/>
+            <a:ext cx="1" cy="471495"/>
+          </a:xfrm>
+          <a:prstGeom prst="line">
+            <a:avLst/>
+          </a:prstGeom>
+          <a:ln>
+            <a:solidFill>
+              <a:schemeClr val="tx1"/>
+            </a:solidFill>
+          </a:ln>
+        </p:spPr>
+        <p:style>
+          <a:lnRef idx="3">
+            <a:schemeClr val="dk1"/>
+          </a:lnRef>
+          <a:fillRef idx="0">
+            <a:schemeClr val="dk1"/>
+          </a:fillRef>
+          <a:effectRef idx="2">
+            <a:schemeClr val="dk1"/>
+          </a:effectRef>
+          <a:fontRef idx="minor">
+            <a:schemeClr val="tx1"/>
+          </a:fontRef>
+        </p:style>
+      </p:cxnSp>
+      <p:sp>
+        <p:nvSpPr>
+          <p:cNvPr id="15" name="CaixaDeTexto 14"/>
+          <p:cNvSpPr txBox="1"/>
+          <p:nvPr/>
+        </p:nvSpPr>
+        <p:spPr>
+          <a:xfrm>
+            <a:off x="2532978" y="4076545"/>
+            <a:ext cx="756745" cy="369332"/>
+          </a:xfrm>
+          <a:prstGeom prst="rect">
+            <a:avLst/>
+          </a:prstGeom>
+          <a:noFill/>
+        </p:spPr>
+        <p:txBody>
+          <a:bodyPr wrap="square" rtlCol="0">
+            <a:spAutoFit/>
+          </a:bodyPr>
+          <a:lstStyle/>
+          <a:p>
+            <a:r>
+              <a:rPr lang="pt-PT" dirty="0" smtClean="0"/>
+              <a:t>1945</a:t>
+            </a:r>
+            <a:endParaRPr lang="pt-PT" dirty="0"/>
+          </a:p>
+        </p:txBody>
+      </p:sp>
+      <p:cxnSp>
+        <p:nvCxnSpPr>
+          <p:cNvPr id="16" name="Conexão reta 15"/>
+          <p:cNvCxnSpPr/>
+          <p:nvPr/>
+        </p:nvCxnSpPr>
+        <p:spPr>
+          <a:xfrm flipH="1">
+            <a:off x="2911351" y="3636580"/>
+            <a:ext cx="1" cy="471495"/>
+          </a:xfrm>
+          <a:prstGeom prst="line">
+            <a:avLst/>
+          </a:prstGeom>
+          <a:ln>
+            <a:solidFill>
+              <a:schemeClr val="tx1"/>
+            </a:solidFill>
+          </a:ln>
+        </p:spPr>
+        <p:style>
+          <a:lnRef idx="3">
+            <a:schemeClr val="dk1"/>
+          </a:lnRef>
+          <a:fillRef idx="0">
+            <a:schemeClr val="dk1"/>
+          </a:fillRef>
+          <a:effectRef idx="2">
+            <a:schemeClr val="dk1"/>
+          </a:effectRef>
+          <a:fontRef idx="minor">
+            <a:schemeClr val="tx1"/>
+          </a:fontRef>
+        </p:style>
+      </p:cxnSp>
+      <p:sp>
+        <p:nvSpPr>
+          <p:cNvPr id="17" name="CaixaDeTexto 16"/>
+          <p:cNvSpPr txBox="1"/>
+          <p:nvPr/>
+        </p:nvSpPr>
+        <p:spPr>
+          <a:xfrm>
+            <a:off x="3142569" y="4076545"/>
+            <a:ext cx="756745" cy="369332"/>
+          </a:xfrm>
+          <a:prstGeom prst="rect">
+            <a:avLst/>
+          </a:prstGeom>
+          <a:noFill/>
+        </p:spPr>
+        <p:txBody>
+          <a:bodyPr wrap="square" rtlCol="0">
+            <a:spAutoFit/>
+          </a:bodyPr>
+          <a:lstStyle/>
+          <a:p>
+            <a:r>
+              <a:rPr lang="pt-PT" dirty="0" smtClean="0"/>
+              <a:t>1945</a:t>
+            </a:r>
+            <a:endParaRPr lang="pt-PT" dirty="0"/>
+          </a:p>
+        </p:txBody>
+      </p:sp>
+      <p:cxnSp>
+        <p:nvCxnSpPr>
+          <p:cNvPr id="18" name="Conexão reta 17"/>
+          <p:cNvCxnSpPr/>
+          <p:nvPr/>
+        </p:nvCxnSpPr>
+        <p:spPr>
+          <a:xfrm flipH="1">
+            <a:off x="3520942" y="3636580"/>
+            <a:ext cx="1" cy="471495"/>
+          </a:xfrm>
+          <a:prstGeom prst="line">
+            <a:avLst/>
+          </a:prstGeom>
+          <a:ln>
+            <a:solidFill>
+              <a:schemeClr val="tx1"/>
+            </a:solidFill>
+          </a:ln>
+        </p:spPr>
+        <p:style>
+          <a:lnRef idx="3">
+            <a:schemeClr val="dk1"/>
+          </a:lnRef>
+          <a:fillRef idx="0">
+            <a:schemeClr val="dk1"/>
+          </a:fillRef>
+          <a:effectRef idx="2">
+            <a:schemeClr val="dk1"/>
+          </a:effectRef>
+          <a:fontRef idx="minor">
+            <a:schemeClr val="tx1"/>
+          </a:fontRef>
+        </p:style>
+      </p:cxnSp>
+      <p:sp>
+        <p:nvSpPr>
+          <p:cNvPr id="19" name="CaixaDeTexto 18"/>
+          <p:cNvSpPr txBox="1"/>
+          <p:nvPr/>
+        </p:nvSpPr>
+        <p:spPr>
+          <a:xfrm>
+            <a:off x="5670312" y="4076545"/>
+            <a:ext cx="756745" cy="369332"/>
+          </a:xfrm>
+          <a:prstGeom prst="rect">
+            <a:avLst/>
+          </a:prstGeom>
+          <a:noFill/>
+        </p:spPr>
+        <p:txBody>
+          <a:bodyPr wrap="square" rtlCol="0">
+            <a:spAutoFit/>
+          </a:bodyPr>
+          <a:lstStyle/>
+          <a:p>
+            <a:r>
+              <a:rPr lang="pt-PT" dirty="0" smtClean="0"/>
+              <a:t>1945</a:t>
+            </a:r>
+            <a:endParaRPr lang="pt-PT" dirty="0"/>
+          </a:p>
+        </p:txBody>
+      </p:sp>
+      <p:cxnSp>
+        <p:nvCxnSpPr>
+          <p:cNvPr id="20" name="Conexão reta 19"/>
+          <p:cNvCxnSpPr/>
+          <p:nvPr/>
+        </p:nvCxnSpPr>
+        <p:spPr>
+          <a:xfrm flipH="1">
+            <a:off x="6048685" y="3636580"/>
+            <a:ext cx="1" cy="471495"/>
+          </a:xfrm>
+          <a:prstGeom prst="line">
+            <a:avLst/>
+          </a:prstGeom>
+          <a:ln>
+            <a:solidFill>
+              <a:schemeClr val="tx1"/>
+            </a:solidFill>
+          </a:ln>
+        </p:spPr>
+        <p:style>
+          <a:lnRef idx="3">
+            <a:schemeClr val="dk1"/>
+          </a:lnRef>
+          <a:fillRef idx="0">
+            <a:schemeClr val="dk1"/>
+          </a:fillRef>
+          <a:effectRef idx="2">
+            <a:schemeClr val="dk1"/>
+          </a:effectRef>
+          <a:fontRef idx="minor">
+            <a:schemeClr val="tx1"/>
+          </a:fontRef>
+        </p:style>
+      </p:cxnSp>
+      <p:sp>
+        <p:nvSpPr>
+          <p:cNvPr id="21" name="CaixaDeTexto 20"/>
+          <p:cNvSpPr txBox="1"/>
+          <p:nvPr/>
+        </p:nvSpPr>
+        <p:spPr>
+          <a:xfrm>
+            <a:off x="6731878" y="4076545"/>
+            <a:ext cx="756745" cy="369332"/>
+          </a:xfrm>
+          <a:prstGeom prst="rect">
+            <a:avLst/>
+          </a:prstGeom>
+          <a:noFill/>
+        </p:spPr>
+        <p:txBody>
+          <a:bodyPr wrap="square" rtlCol="0">
+            <a:spAutoFit/>
+          </a:bodyPr>
+          <a:lstStyle/>
+          <a:p>
+            <a:r>
+              <a:rPr lang="pt-PT" dirty="0" smtClean="0"/>
+              <a:t>1945</a:t>
+            </a:r>
+            <a:endParaRPr lang="pt-PT" dirty="0"/>
+          </a:p>
+        </p:txBody>
+      </p:sp>
+      <p:cxnSp>
+        <p:nvCxnSpPr>
+          <p:cNvPr id="22" name="Conexão reta 21"/>
+          <p:cNvCxnSpPr/>
+          <p:nvPr/>
+        </p:nvCxnSpPr>
+        <p:spPr>
+          <a:xfrm flipH="1">
+            <a:off x="7110251" y="3636580"/>
+            <a:ext cx="1" cy="471495"/>
+          </a:xfrm>
+          <a:prstGeom prst="line">
+            <a:avLst/>
+          </a:prstGeom>
+          <a:ln>
+            <a:solidFill>
+              <a:schemeClr val="tx1"/>
+            </a:solidFill>
+          </a:ln>
+        </p:spPr>
+        <p:style>
+          <a:lnRef idx="3">
+            <a:schemeClr val="dk1"/>
+          </a:lnRef>
+          <a:fillRef idx="0">
+            <a:schemeClr val="dk1"/>
+          </a:fillRef>
+          <a:effectRef idx="2">
+            <a:schemeClr val="dk1"/>
+          </a:effectRef>
+          <a:fontRef idx="minor">
+            <a:schemeClr val="tx1"/>
+          </a:fontRef>
+        </p:style>
+      </p:cxnSp>
+      <p:sp>
+        <p:nvSpPr>
+          <p:cNvPr id="23" name="CaixaDeTexto 22"/>
+          <p:cNvSpPr txBox="1"/>
+          <p:nvPr/>
+        </p:nvSpPr>
+        <p:spPr>
+          <a:xfrm>
+            <a:off x="9501347" y="4055523"/>
+            <a:ext cx="756745" cy="369332"/>
+          </a:xfrm>
+          <a:prstGeom prst="rect">
+            <a:avLst/>
+          </a:prstGeom>
+          <a:noFill/>
+        </p:spPr>
+        <p:txBody>
+          <a:bodyPr wrap="square" rtlCol="0">
+            <a:spAutoFit/>
+          </a:bodyPr>
+          <a:lstStyle/>
+          <a:p>
+            <a:r>
+              <a:rPr lang="pt-PT" dirty="0" smtClean="0"/>
+              <a:t>1945</a:t>
+            </a:r>
+            <a:endParaRPr lang="pt-PT" dirty="0"/>
+          </a:p>
+        </p:txBody>
+      </p:sp>
+      <p:cxnSp>
+        <p:nvCxnSpPr>
+          <p:cNvPr id="24" name="Conexão reta 23"/>
+          <p:cNvCxnSpPr/>
+          <p:nvPr/>
+        </p:nvCxnSpPr>
+        <p:spPr>
+          <a:xfrm flipH="1">
+            <a:off x="9879720" y="3615558"/>
+            <a:ext cx="1" cy="471495"/>
+          </a:xfrm>
+          <a:prstGeom prst="line">
+            <a:avLst/>
+          </a:prstGeom>
+          <a:ln>
+            <a:solidFill>
+              <a:schemeClr val="tx1"/>
+            </a:solidFill>
+          </a:ln>
+        </p:spPr>
+        <p:style>
+          <a:lnRef idx="3">
+            <a:schemeClr val="dk1"/>
+          </a:lnRef>
+          <a:fillRef idx="0">
+            <a:schemeClr val="dk1"/>
+          </a:fillRef>
+          <a:effectRef idx="2">
+            <a:schemeClr val="dk1"/>
+          </a:effectRef>
+          <a:fontRef idx="minor">
+            <a:schemeClr val="tx1"/>
+          </a:fontRef>
+        </p:style>
+      </p:cxnSp>
+      <p:sp>
+        <p:nvSpPr>
+          <p:cNvPr id="25" name="CaixaDeTexto 24"/>
+          <p:cNvSpPr txBox="1"/>
+          <p:nvPr/>
+        </p:nvSpPr>
+        <p:spPr>
+          <a:xfrm>
+            <a:off x="10494566" y="4045015"/>
+            <a:ext cx="756745" cy="369332"/>
+          </a:xfrm>
+          <a:prstGeom prst="rect">
+            <a:avLst/>
+          </a:prstGeom>
+          <a:noFill/>
+        </p:spPr>
+        <p:txBody>
+          <a:bodyPr wrap="square" rtlCol="0">
+            <a:spAutoFit/>
+          </a:bodyPr>
+          <a:lstStyle/>
+          <a:p>
+            <a:r>
+              <a:rPr lang="pt-PT" dirty="0" smtClean="0"/>
+              <a:t>1945</a:t>
+            </a:r>
+            <a:endParaRPr lang="pt-PT" dirty="0"/>
+          </a:p>
+        </p:txBody>
+      </p:sp>
+      <p:cxnSp>
+        <p:nvCxnSpPr>
+          <p:cNvPr id="26" name="Conexão reta 25"/>
+          <p:cNvCxnSpPr/>
+          <p:nvPr/>
+        </p:nvCxnSpPr>
+        <p:spPr>
+          <a:xfrm flipH="1">
+            <a:off x="10872939" y="3605050"/>
+            <a:ext cx="1" cy="471495"/>
+          </a:xfrm>
+          <a:prstGeom prst="line">
+            <a:avLst/>
+          </a:prstGeom>
+          <a:ln>
+            <a:solidFill>
+              <a:schemeClr val="tx1"/>
+            </a:solidFill>
+          </a:ln>
+        </p:spPr>
+        <p:style>
+          <a:lnRef idx="3">
+            <a:schemeClr val="dk1"/>
+          </a:lnRef>
+          <a:fillRef idx="0">
+            <a:schemeClr val="dk1"/>
+          </a:fillRef>
+          <a:effectRef idx="2">
+            <a:schemeClr val="dk1"/>
+          </a:effectRef>
+          <a:fontRef idx="minor">
+            <a:schemeClr val="tx1"/>
+          </a:fontRef>
+        </p:style>
+      </p:cxnSp>
+      <p:sp>
+        <p:nvSpPr>
+          <p:cNvPr id="27" name="CaixaDeTexto 26"/>
+          <p:cNvSpPr txBox="1"/>
+          <p:nvPr/>
+        </p:nvSpPr>
+        <p:spPr>
+          <a:xfrm>
+            <a:off x="10925491" y="4045015"/>
+            <a:ext cx="756745" cy="369332"/>
+          </a:xfrm>
+          <a:prstGeom prst="rect">
+            <a:avLst/>
+          </a:prstGeom>
+          <a:noFill/>
+        </p:spPr>
+        <p:txBody>
+          <a:bodyPr wrap="square" rtlCol="0">
+            <a:spAutoFit/>
+          </a:bodyPr>
+          <a:lstStyle/>
+          <a:p>
+            <a:r>
+              <a:rPr lang="pt-PT" dirty="0" smtClean="0"/>
+              <a:t>1945</a:t>
+            </a:r>
+            <a:endParaRPr lang="pt-PT" dirty="0"/>
+          </a:p>
+        </p:txBody>
+      </p:sp>
+      <p:cxnSp>
+        <p:nvCxnSpPr>
+          <p:cNvPr id="28" name="Conexão reta 27"/>
+          <p:cNvCxnSpPr/>
+          <p:nvPr/>
+        </p:nvCxnSpPr>
+        <p:spPr>
+          <a:xfrm flipH="1">
+            <a:off x="11303864" y="3605050"/>
+            <a:ext cx="1" cy="471495"/>
+          </a:xfrm>
+          <a:prstGeom prst="line">
+            <a:avLst/>
+          </a:prstGeom>
+          <a:ln>
+            <a:solidFill>
+              <a:schemeClr val="tx1"/>
+            </a:solidFill>
+          </a:ln>
+        </p:spPr>
+        <p:style>
+          <a:lnRef idx="3">
+            <a:schemeClr val="dk1"/>
+          </a:lnRef>
+          <a:fillRef idx="0">
+            <a:schemeClr val="dk1"/>
+          </a:fillRef>
+          <a:effectRef idx="2">
+            <a:schemeClr val="dk1"/>
+          </a:effectRef>
+          <a:fontRef idx="minor">
+            <a:schemeClr val="tx1"/>
+          </a:fontRef>
+        </p:style>
+      </p:cxnSp>
+      <p:sp>
+        <p:nvSpPr>
+          <p:cNvPr id="2" name="CaixaDeTexto 1"/>
+          <p:cNvSpPr txBox="1"/>
+          <p:nvPr/>
+        </p:nvSpPr>
+        <p:spPr>
+          <a:xfrm>
+            <a:off x="2711660" y="420130"/>
+            <a:ext cx="5209021" cy="369332"/>
+          </a:xfrm>
+          <a:prstGeom prst="rect">
+            <a:avLst/>
+          </a:prstGeom>
+          <a:noFill/>
+        </p:spPr>
+        <p:txBody>
+          <a:bodyPr wrap="square" rtlCol="0">
+            <a:spAutoFit/>
+          </a:bodyPr>
+          <a:lstStyle/>
+          <a:p>
+            <a:r>
+              <a:rPr lang="pt-PT" dirty="0" smtClean="0"/>
+              <a:t>PIC HERE</a:t>
+            </a:r>
+            <a:endParaRPr lang="pt-PT" dirty="0"/>
+          </a:p>
+        </p:txBody>
+      </p:sp>
+    </p:spTree>
+    <p:extLst>
+      <p:ext uri="{BB962C8B-B14F-4D97-AF65-F5344CB8AC3E}">
+        <p14:creationId xmlns:p14="http://schemas.microsoft.com/office/powerpoint/2010/main" val="867400855"/>
+      </p:ext>
+    </p:extLst>
+  </p:cSld>
+  <p:clrMapOvr>
+    <a:masterClrMapping/>
+  </p:clrMapOvr>
+  <mc:AlternateContent xmlns:mc="http://schemas.openxmlformats.org/markup-compatibility/2006">
+    <mc:Choice xmlns:p14="http://schemas.microsoft.com/office/powerpoint/2010/main" Requires="p14">
+      <p:transition p14:dur="10"/>
+    </mc:Choice>
+    <mc:Fallback>
+      <p:transition/>
+    </mc:Fallback>
+  </mc:AlternateContent>
+  <p:timing>
+    <p:tnLst>
+      <p:par>
+        <p:cTn id="1" dur="indefinite" restart="never" nodeType="tmRoot"/>
+      </p:par>
+    </p:tnLst>
+  </p:timing>
+</p:sld>
+</file>
+
+<file path=ppt/slides/slide6.xml><?xml version="1.0" encoding="utf-8"?>
+<p:sld xmlns:a="http://schemas.openxmlformats.org/drawingml/2006/main" xmlns:r="http://schemas.openxmlformats.org/officeDocument/2006/relationships" xmlns:p="http://schemas.openxmlformats.org/presentationml/2006/main">
+  <p:cSld>
+    <p:spTree>
+      <p:nvGrpSpPr>
+        <p:cNvPr id="1" name=""/>
+        <p:cNvGrpSpPr/>
+        <p:nvPr/>
+      </p:nvGrpSpPr>
+      <p:grpSpPr>
+        <a:xfrm>
+          <a:off x="0" y="0"/>
+          <a:ext cx="0" cy="0"/>
+          <a:chOff x="0" y="0"/>
+          <a:chExt cx="0" cy="0"/>
+        </a:xfrm>
+      </p:grpSpPr>
+      <p:sp>
+        <p:nvSpPr>
+          <p:cNvPr id="6" name="Retângulo 5"/>
+          <p:cNvSpPr/>
+          <p:nvPr/>
+        </p:nvSpPr>
+        <p:spPr>
+          <a:xfrm>
+            <a:off x="94593" y="3373820"/>
+            <a:ext cx="12170979" cy="262759"/>
+          </a:xfrm>
+          <a:prstGeom prst="rect">
+            <a:avLst/>
+          </a:prstGeom>
+          <a:solidFill>
+            <a:schemeClr val="tx1"/>
+          </a:solidFill>
+          <a:ln>
+            <a:solidFill>
+              <a:schemeClr val="tx1"/>
+            </a:solidFill>
+          </a:ln>
+        </p:spPr>
+        <p:style>
+          <a:lnRef idx="2">
+            <a:schemeClr val="accent1">
+              <a:shade val="50000"/>
+            </a:schemeClr>
+          </a:lnRef>
+          <a:fillRef idx="1">
+            <a:schemeClr val="accent1"/>
+          </a:fillRef>
+          <a:effectRef idx="0">
+            <a:schemeClr val="accent1"/>
+          </a:effectRef>
+          <a:fontRef idx="minor">
+            <a:schemeClr val="lt1"/>
+          </a:fontRef>
+        </p:style>
+        <p:txBody>
+          <a:bodyPr rtlCol="0" anchor="ctr"/>
+          <a:lstStyle/>
+          <a:p>
+            <a:pPr algn="ctr"/>
+            <a:endParaRPr lang="pt-PT"/>
+          </a:p>
+        </p:txBody>
+      </p:sp>
+      <p:sp>
+        <p:nvSpPr>
+          <p:cNvPr id="10" name="CaixaDeTexto 9"/>
+          <p:cNvSpPr txBox="1"/>
+          <p:nvPr/>
+        </p:nvSpPr>
+        <p:spPr>
+          <a:xfrm>
+            <a:off x="10068906" y="4076546"/>
+            <a:ext cx="756745" cy="369332"/>
+          </a:xfrm>
+          <a:prstGeom prst="rect">
+            <a:avLst/>
+          </a:prstGeom>
+          <a:noFill/>
+        </p:spPr>
+        <p:txBody>
+          <a:bodyPr wrap="square" rtlCol="0">
+            <a:spAutoFit/>
+          </a:bodyPr>
+          <a:lstStyle/>
+          <a:p>
+            <a:r>
+              <a:rPr lang="pt-PT" dirty="0" smtClean="0"/>
+              <a:t>1968</a:t>
+            </a:r>
+            <a:endParaRPr lang="pt-PT" dirty="0"/>
+          </a:p>
+        </p:txBody>
+      </p:sp>
+      <p:cxnSp>
+        <p:nvCxnSpPr>
+          <p:cNvPr id="11" name="Conexão reta 10"/>
+          <p:cNvCxnSpPr/>
+          <p:nvPr/>
+        </p:nvCxnSpPr>
+        <p:spPr>
+          <a:xfrm flipH="1">
+            <a:off x="10447278" y="3636581"/>
+            <a:ext cx="1" cy="471495"/>
+          </a:xfrm>
+          <a:prstGeom prst="line">
+            <a:avLst/>
+          </a:prstGeom>
+          <a:ln>
+            <a:solidFill>
+              <a:schemeClr val="tx1"/>
+            </a:solidFill>
+          </a:ln>
+        </p:spPr>
+        <p:style>
+          <a:lnRef idx="3">
+            <a:schemeClr val="dk1"/>
+          </a:lnRef>
+          <a:fillRef idx="0">
+            <a:schemeClr val="dk1"/>
+          </a:fillRef>
+          <a:effectRef idx="2">
+            <a:schemeClr val="dk1"/>
+          </a:effectRef>
+          <a:fontRef idx="minor">
+            <a:schemeClr val="tx1"/>
+          </a:fontRef>
+        </p:style>
+      </p:cxnSp>
+      <p:sp>
+        <p:nvSpPr>
+          <p:cNvPr id="8" name="CaixaDeTexto 7"/>
+          <p:cNvSpPr txBox="1"/>
+          <p:nvPr/>
+        </p:nvSpPr>
+        <p:spPr>
+          <a:xfrm>
+            <a:off x="1069417" y="4108075"/>
+            <a:ext cx="756745" cy="369332"/>
+          </a:xfrm>
+          <a:prstGeom prst="rect">
+            <a:avLst/>
+          </a:prstGeom>
+          <a:noFill/>
+        </p:spPr>
+        <p:txBody>
+          <a:bodyPr wrap="square" rtlCol="0">
+            <a:spAutoFit/>
+          </a:bodyPr>
+          <a:lstStyle/>
+          <a:p>
+            <a:r>
+              <a:rPr lang="pt-PT" dirty="0" smtClean="0"/>
+              <a:t>1945</a:t>
+            </a:r>
+            <a:endParaRPr lang="pt-PT" dirty="0"/>
+          </a:p>
+        </p:txBody>
+      </p:sp>
+      <p:cxnSp>
+        <p:nvCxnSpPr>
+          <p:cNvPr id="12" name="Conexão reta 11"/>
+          <p:cNvCxnSpPr/>
+          <p:nvPr/>
+        </p:nvCxnSpPr>
+        <p:spPr>
+          <a:xfrm flipH="1">
+            <a:off x="1387360" y="3636580"/>
+            <a:ext cx="1" cy="471495"/>
+          </a:xfrm>
+          <a:prstGeom prst="line">
+            <a:avLst/>
+          </a:prstGeom>
+          <a:ln>
+            <a:solidFill>
+              <a:schemeClr val="tx1"/>
+            </a:solidFill>
+          </a:ln>
+        </p:spPr>
+        <p:style>
+          <a:lnRef idx="3">
+            <a:schemeClr val="dk1"/>
+          </a:lnRef>
+          <a:fillRef idx="0">
+            <a:schemeClr val="dk1"/>
+          </a:fillRef>
+          <a:effectRef idx="2">
+            <a:schemeClr val="dk1"/>
+          </a:effectRef>
+          <a:fontRef idx="minor">
+            <a:schemeClr val="tx1"/>
+          </a:fontRef>
+        </p:style>
+      </p:cxnSp>
+      <p:sp>
+        <p:nvSpPr>
+          <p:cNvPr id="13" name="CaixaDeTexto 12"/>
+          <p:cNvSpPr txBox="1"/>
+          <p:nvPr/>
+        </p:nvSpPr>
+        <p:spPr>
+          <a:xfrm>
+            <a:off x="1692183" y="4076545"/>
+            <a:ext cx="1019478" cy="584775"/>
+          </a:xfrm>
+          <a:prstGeom prst="rect">
+            <a:avLst/>
+          </a:prstGeom>
+          <a:noFill/>
+          <a:ln>
+            <a:solidFill>
+              <a:schemeClr val="accent1"/>
+            </a:solidFill>
+          </a:ln>
+        </p:spPr>
+        <p:txBody>
+          <a:bodyPr wrap="square" rtlCol="0">
+            <a:spAutoFit/>
+          </a:bodyPr>
+          <a:lstStyle/>
+          <a:p>
+            <a:r>
+              <a:rPr lang="pt-PT" sz="3200" dirty="0" smtClean="0">
+                <a:solidFill>
+                  <a:srgbClr val="FF0000"/>
+                </a:solidFill>
+              </a:rPr>
+              <a:t>1945</a:t>
+            </a:r>
+            <a:endParaRPr lang="pt-PT" dirty="0">
+              <a:solidFill>
+                <a:srgbClr val="FF0000"/>
+              </a:solidFill>
+            </a:endParaRPr>
+          </a:p>
+        </p:txBody>
+      </p:sp>
+      <p:cxnSp>
+        <p:nvCxnSpPr>
+          <p:cNvPr id="14" name="Conexão reta 13"/>
+          <p:cNvCxnSpPr/>
+          <p:nvPr/>
+        </p:nvCxnSpPr>
+        <p:spPr>
+          <a:xfrm flipH="1">
+            <a:off x="2333288" y="3636580"/>
+            <a:ext cx="1" cy="471495"/>
+          </a:xfrm>
+          <a:prstGeom prst="line">
+            <a:avLst/>
+          </a:prstGeom>
+          <a:ln>
+            <a:solidFill>
+              <a:schemeClr val="accent1"/>
+            </a:solidFill>
+          </a:ln>
+        </p:spPr>
+        <p:style>
+          <a:lnRef idx="3">
+            <a:schemeClr val="dk1"/>
+          </a:lnRef>
+          <a:fillRef idx="0">
+            <a:schemeClr val="dk1"/>
+          </a:fillRef>
+          <a:effectRef idx="2">
+            <a:schemeClr val="dk1"/>
+          </a:effectRef>
+          <a:fontRef idx="minor">
+            <a:schemeClr val="tx1"/>
+          </a:fontRef>
+        </p:style>
+      </p:cxnSp>
+      <p:sp>
+        <p:nvSpPr>
+          <p:cNvPr id="15" name="CaixaDeTexto 14"/>
+          <p:cNvSpPr txBox="1"/>
+          <p:nvPr/>
+        </p:nvSpPr>
+        <p:spPr>
+          <a:xfrm>
+            <a:off x="2532978" y="4076545"/>
+            <a:ext cx="756745" cy="369332"/>
+          </a:xfrm>
+          <a:prstGeom prst="rect">
+            <a:avLst/>
+          </a:prstGeom>
+          <a:noFill/>
+        </p:spPr>
+        <p:txBody>
+          <a:bodyPr wrap="square" rtlCol="0">
+            <a:spAutoFit/>
+          </a:bodyPr>
+          <a:lstStyle/>
+          <a:p>
+            <a:r>
+              <a:rPr lang="pt-PT" dirty="0" smtClean="0"/>
+              <a:t>1945</a:t>
+            </a:r>
+            <a:endParaRPr lang="pt-PT" dirty="0"/>
+          </a:p>
+        </p:txBody>
+      </p:sp>
+      <p:cxnSp>
+        <p:nvCxnSpPr>
+          <p:cNvPr id="16" name="Conexão reta 15"/>
+          <p:cNvCxnSpPr/>
+          <p:nvPr/>
+        </p:nvCxnSpPr>
+        <p:spPr>
+          <a:xfrm flipH="1">
+            <a:off x="2911351" y="3636580"/>
+            <a:ext cx="1" cy="471495"/>
+          </a:xfrm>
+          <a:prstGeom prst="line">
+            <a:avLst/>
+          </a:prstGeom>
+          <a:ln>
+            <a:solidFill>
+              <a:schemeClr val="tx1"/>
+            </a:solidFill>
+          </a:ln>
+        </p:spPr>
+        <p:style>
+          <a:lnRef idx="3">
+            <a:schemeClr val="dk1"/>
+          </a:lnRef>
+          <a:fillRef idx="0">
+            <a:schemeClr val="dk1"/>
+          </a:fillRef>
+          <a:effectRef idx="2">
+            <a:schemeClr val="dk1"/>
+          </a:effectRef>
+          <a:fontRef idx="minor">
+            <a:schemeClr val="tx1"/>
+          </a:fontRef>
+        </p:style>
+      </p:cxnSp>
+      <p:sp>
+        <p:nvSpPr>
+          <p:cNvPr id="17" name="CaixaDeTexto 16"/>
+          <p:cNvSpPr txBox="1"/>
+          <p:nvPr/>
+        </p:nvSpPr>
+        <p:spPr>
+          <a:xfrm>
+            <a:off x="3142569" y="4076545"/>
+            <a:ext cx="756745" cy="369332"/>
+          </a:xfrm>
+          <a:prstGeom prst="rect">
+            <a:avLst/>
+          </a:prstGeom>
+          <a:noFill/>
+        </p:spPr>
+        <p:txBody>
+          <a:bodyPr wrap="square" rtlCol="0">
+            <a:spAutoFit/>
+          </a:bodyPr>
+          <a:lstStyle/>
+          <a:p>
+            <a:r>
+              <a:rPr lang="pt-PT" dirty="0" smtClean="0"/>
+              <a:t>1945</a:t>
+            </a:r>
+            <a:endParaRPr lang="pt-PT" dirty="0"/>
+          </a:p>
+        </p:txBody>
+      </p:sp>
+      <p:cxnSp>
+        <p:nvCxnSpPr>
+          <p:cNvPr id="18" name="Conexão reta 17"/>
+          <p:cNvCxnSpPr/>
+          <p:nvPr/>
+        </p:nvCxnSpPr>
+        <p:spPr>
+          <a:xfrm flipH="1">
+            <a:off x="3520942" y="3636580"/>
+            <a:ext cx="1" cy="471495"/>
+          </a:xfrm>
+          <a:prstGeom prst="line">
+            <a:avLst/>
+          </a:prstGeom>
+          <a:ln>
+            <a:solidFill>
+              <a:schemeClr val="tx1"/>
+            </a:solidFill>
+          </a:ln>
+        </p:spPr>
+        <p:style>
+          <a:lnRef idx="3">
+            <a:schemeClr val="dk1"/>
+          </a:lnRef>
+          <a:fillRef idx="0">
+            <a:schemeClr val="dk1"/>
+          </a:fillRef>
+          <a:effectRef idx="2">
+            <a:schemeClr val="dk1"/>
+          </a:effectRef>
+          <a:fontRef idx="minor">
+            <a:schemeClr val="tx1"/>
+          </a:fontRef>
+        </p:style>
+      </p:cxnSp>
+      <p:sp>
+        <p:nvSpPr>
+          <p:cNvPr id="19" name="CaixaDeTexto 18"/>
+          <p:cNvSpPr txBox="1"/>
+          <p:nvPr/>
+        </p:nvSpPr>
+        <p:spPr>
+          <a:xfrm>
+            <a:off x="5670312" y="4076545"/>
+            <a:ext cx="756745" cy="369332"/>
+          </a:xfrm>
+          <a:prstGeom prst="rect">
+            <a:avLst/>
+          </a:prstGeom>
+          <a:noFill/>
+        </p:spPr>
+        <p:txBody>
+          <a:bodyPr wrap="square" rtlCol="0">
+            <a:spAutoFit/>
+          </a:bodyPr>
+          <a:lstStyle/>
+          <a:p>
+            <a:r>
+              <a:rPr lang="pt-PT" dirty="0" smtClean="0"/>
+              <a:t>1945</a:t>
+            </a:r>
+            <a:endParaRPr lang="pt-PT" dirty="0"/>
+          </a:p>
+        </p:txBody>
+      </p:sp>
+      <p:cxnSp>
+        <p:nvCxnSpPr>
+          <p:cNvPr id="20" name="Conexão reta 19"/>
+          <p:cNvCxnSpPr/>
+          <p:nvPr/>
+        </p:nvCxnSpPr>
+        <p:spPr>
+          <a:xfrm flipH="1">
+            <a:off x="6048685" y="3636580"/>
+            <a:ext cx="1" cy="471495"/>
+          </a:xfrm>
+          <a:prstGeom prst="line">
+            <a:avLst/>
+          </a:prstGeom>
+          <a:ln>
+            <a:solidFill>
+              <a:schemeClr val="tx1"/>
+            </a:solidFill>
+          </a:ln>
+        </p:spPr>
+        <p:style>
+          <a:lnRef idx="3">
+            <a:schemeClr val="dk1"/>
+          </a:lnRef>
+          <a:fillRef idx="0">
+            <a:schemeClr val="dk1"/>
+          </a:fillRef>
+          <a:effectRef idx="2">
+            <a:schemeClr val="dk1"/>
+          </a:effectRef>
+          <a:fontRef idx="minor">
+            <a:schemeClr val="tx1"/>
+          </a:fontRef>
+        </p:style>
+      </p:cxnSp>
+      <p:sp>
+        <p:nvSpPr>
+          <p:cNvPr id="21" name="CaixaDeTexto 20"/>
+          <p:cNvSpPr txBox="1"/>
+          <p:nvPr/>
+        </p:nvSpPr>
+        <p:spPr>
+          <a:xfrm>
+            <a:off x="6731878" y="4076545"/>
+            <a:ext cx="756745" cy="369332"/>
+          </a:xfrm>
+          <a:prstGeom prst="rect">
+            <a:avLst/>
+          </a:prstGeom>
+          <a:noFill/>
+        </p:spPr>
+        <p:txBody>
+          <a:bodyPr wrap="square" rtlCol="0">
+            <a:spAutoFit/>
+          </a:bodyPr>
+          <a:lstStyle/>
+          <a:p>
+            <a:r>
+              <a:rPr lang="pt-PT" dirty="0" smtClean="0"/>
+              <a:t>1945</a:t>
+            </a:r>
+            <a:endParaRPr lang="pt-PT" dirty="0"/>
+          </a:p>
+        </p:txBody>
+      </p:sp>
+      <p:cxnSp>
+        <p:nvCxnSpPr>
+          <p:cNvPr id="22" name="Conexão reta 21"/>
+          <p:cNvCxnSpPr/>
+          <p:nvPr/>
+        </p:nvCxnSpPr>
+        <p:spPr>
+          <a:xfrm flipH="1">
+            <a:off x="7110251" y="3636580"/>
+            <a:ext cx="1" cy="471495"/>
+          </a:xfrm>
+          <a:prstGeom prst="line">
+            <a:avLst/>
+          </a:prstGeom>
+          <a:ln>
+            <a:solidFill>
+              <a:schemeClr val="tx1"/>
+            </a:solidFill>
+          </a:ln>
+        </p:spPr>
+        <p:style>
+          <a:lnRef idx="3">
+            <a:schemeClr val="dk1"/>
+          </a:lnRef>
+          <a:fillRef idx="0">
+            <a:schemeClr val="dk1"/>
+          </a:fillRef>
+          <a:effectRef idx="2">
+            <a:schemeClr val="dk1"/>
+          </a:effectRef>
+          <a:fontRef idx="minor">
+            <a:schemeClr val="tx1"/>
+          </a:fontRef>
+        </p:style>
+      </p:cxnSp>
+      <p:sp>
+        <p:nvSpPr>
+          <p:cNvPr id="23" name="CaixaDeTexto 22"/>
+          <p:cNvSpPr txBox="1"/>
+          <p:nvPr/>
+        </p:nvSpPr>
+        <p:spPr>
+          <a:xfrm>
+            <a:off x="9501347" y="4055523"/>
+            <a:ext cx="756745" cy="369332"/>
+          </a:xfrm>
+          <a:prstGeom prst="rect">
+            <a:avLst/>
+          </a:prstGeom>
+          <a:noFill/>
+        </p:spPr>
+        <p:txBody>
+          <a:bodyPr wrap="square" rtlCol="0">
+            <a:spAutoFit/>
+          </a:bodyPr>
+          <a:lstStyle/>
+          <a:p>
+            <a:r>
+              <a:rPr lang="pt-PT" dirty="0" smtClean="0"/>
+              <a:t>1945</a:t>
+            </a:r>
+            <a:endParaRPr lang="pt-PT" dirty="0"/>
+          </a:p>
+        </p:txBody>
+      </p:sp>
+      <p:cxnSp>
+        <p:nvCxnSpPr>
+          <p:cNvPr id="24" name="Conexão reta 23"/>
+          <p:cNvCxnSpPr/>
+          <p:nvPr/>
+        </p:nvCxnSpPr>
+        <p:spPr>
+          <a:xfrm flipH="1">
+            <a:off x="9879720" y="3615558"/>
+            <a:ext cx="1" cy="471495"/>
+          </a:xfrm>
+          <a:prstGeom prst="line">
+            <a:avLst/>
+          </a:prstGeom>
+          <a:ln>
+            <a:solidFill>
+              <a:schemeClr val="tx1"/>
+            </a:solidFill>
+          </a:ln>
+        </p:spPr>
+        <p:style>
+          <a:lnRef idx="3">
+            <a:schemeClr val="dk1"/>
+          </a:lnRef>
+          <a:fillRef idx="0">
+            <a:schemeClr val="dk1"/>
+          </a:fillRef>
+          <a:effectRef idx="2">
+            <a:schemeClr val="dk1"/>
+          </a:effectRef>
+          <a:fontRef idx="minor">
+            <a:schemeClr val="tx1"/>
+          </a:fontRef>
+        </p:style>
+      </p:cxnSp>
+      <p:sp>
+        <p:nvSpPr>
+          <p:cNvPr id="25" name="CaixaDeTexto 24"/>
+          <p:cNvSpPr txBox="1"/>
+          <p:nvPr/>
+        </p:nvSpPr>
+        <p:spPr>
+          <a:xfrm>
+            <a:off x="10494566" y="4045015"/>
+            <a:ext cx="756745" cy="369332"/>
+          </a:xfrm>
+          <a:prstGeom prst="rect">
+            <a:avLst/>
+          </a:prstGeom>
+          <a:noFill/>
+        </p:spPr>
+        <p:txBody>
+          <a:bodyPr wrap="square" rtlCol="0">
+            <a:spAutoFit/>
+          </a:bodyPr>
+          <a:lstStyle/>
+          <a:p>
+            <a:r>
+              <a:rPr lang="pt-PT" dirty="0" smtClean="0"/>
+              <a:t>1945</a:t>
+            </a:r>
+            <a:endParaRPr lang="pt-PT" dirty="0"/>
+          </a:p>
+        </p:txBody>
+      </p:sp>
+      <p:cxnSp>
+        <p:nvCxnSpPr>
+          <p:cNvPr id="26" name="Conexão reta 25"/>
+          <p:cNvCxnSpPr/>
+          <p:nvPr/>
+        </p:nvCxnSpPr>
+        <p:spPr>
+          <a:xfrm flipH="1">
+            <a:off x="10872939" y="3605050"/>
+            <a:ext cx="1" cy="471495"/>
+          </a:xfrm>
+          <a:prstGeom prst="line">
+            <a:avLst/>
+          </a:prstGeom>
+          <a:ln>
+            <a:solidFill>
+              <a:schemeClr val="tx1"/>
+            </a:solidFill>
+          </a:ln>
+        </p:spPr>
+        <p:style>
+          <a:lnRef idx="3">
+            <a:schemeClr val="dk1"/>
+          </a:lnRef>
+          <a:fillRef idx="0">
+            <a:schemeClr val="dk1"/>
+          </a:fillRef>
+          <a:effectRef idx="2">
+            <a:schemeClr val="dk1"/>
+          </a:effectRef>
+          <a:fontRef idx="minor">
+            <a:schemeClr val="tx1"/>
+          </a:fontRef>
+        </p:style>
+      </p:cxnSp>
+      <p:sp>
+        <p:nvSpPr>
+          <p:cNvPr id="27" name="CaixaDeTexto 26"/>
+          <p:cNvSpPr txBox="1"/>
+          <p:nvPr/>
+        </p:nvSpPr>
+        <p:spPr>
+          <a:xfrm>
+            <a:off x="10925491" y="4045015"/>
+            <a:ext cx="756745" cy="369332"/>
+          </a:xfrm>
+          <a:prstGeom prst="rect">
+            <a:avLst/>
+          </a:prstGeom>
+          <a:noFill/>
+        </p:spPr>
+        <p:txBody>
+          <a:bodyPr wrap="square" rtlCol="0">
+            <a:spAutoFit/>
+          </a:bodyPr>
+          <a:lstStyle/>
+          <a:p>
+            <a:r>
+              <a:rPr lang="pt-PT" dirty="0" smtClean="0"/>
+              <a:t>1945</a:t>
+            </a:r>
+            <a:endParaRPr lang="pt-PT" dirty="0"/>
+          </a:p>
+        </p:txBody>
+      </p:sp>
+      <p:cxnSp>
+        <p:nvCxnSpPr>
+          <p:cNvPr id="28" name="Conexão reta 27"/>
+          <p:cNvCxnSpPr/>
+          <p:nvPr/>
+        </p:nvCxnSpPr>
+        <p:spPr>
+          <a:xfrm flipH="1">
+            <a:off x="11303864" y="3605050"/>
+            <a:ext cx="1" cy="471495"/>
+          </a:xfrm>
+          <a:prstGeom prst="line">
+            <a:avLst/>
+          </a:prstGeom>
+          <a:ln>
+            <a:solidFill>
+              <a:schemeClr val="tx1"/>
+            </a:solidFill>
+          </a:ln>
+        </p:spPr>
+        <p:style>
+          <a:lnRef idx="3">
+            <a:schemeClr val="dk1"/>
+          </a:lnRef>
+          <a:fillRef idx="0">
+            <a:schemeClr val="dk1"/>
+          </a:fillRef>
+          <a:effectRef idx="2">
+            <a:schemeClr val="dk1"/>
+          </a:effectRef>
+          <a:fontRef idx="minor">
+            <a:schemeClr val="tx1"/>
+          </a:fontRef>
+        </p:style>
+      </p:cxnSp>
+    </p:spTree>
+    <p:extLst>
+      <p:ext uri="{BB962C8B-B14F-4D97-AF65-F5344CB8AC3E}">
+        <p14:creationId xmlns:p14="http://schemas.microsoft.com/office/powerpoint/2010/main" val="1287174149"/>
+      </p:ext>
+    </p:extLst>
+  </p:cSld>
+  <p:clrMapOvr>
+    <a:masterClrMapping/>
+  </p:clrMapOvr>
+  <mc:AlternateContent xmlns:mc="http://schemas.openxmlformats.org/markup-compatibility/2006">
+    <mc:Choice xmlns:p14="http://schemas.microsoft.com/office/powerpoint/2010/main" Requires="p14">
+      <p:transition p14:dur="10"/>
+    </mc:Choice>
+    <mc:Fallback>
+      <p:transition/>
+    </mc:Fallback>
+  </mc:AlternateContent>
+  <p:timing>
+    <p:tnLst>
+      <p:par>
+        <p:cTn id="1" dur="indefinite" restart="never" nodeType="tmRoot"/>
+      </p:par>
+    </p:tnLst>
+  </p:timing>
+</p:sld>
+</file>
+
+<file path=ppt/slides/slide7.xml><?xml version="1.0" encoding="utf-8"?>
+<p:sld xmlns:a="http://schemas.openxmlformats.org/drawingml/2006/main" xmlns:r="http://schemas.openxmlformats.org/officeDocument/2006/relationships" xmlns:p="http://schemas.openxmlformats.org/presentationml/2006/main">
+  <p:cSld>
+    <p:spTree>
+      <p:nvGrpSpPr>
+        <p:cNvPr id="1" name=""/>
+        <p:cNvGrpSpPr/>
+        <p:nvPr/>
+      </p:nvGrpSpPr>
+      <p:grpSpPr>
+        <a:xfrm>
+          <a:off x="0" y="0"/>
+          <a:ext cx="0" cy="0"/>
+          <a:chOff x="0" y="0"/>
+          <a:chExt cx="0" cy="0"/>
+        </a:xfrm>
+      </p:grpSpPr>
+      <p:sp>
+        <p:nvSpPr>
+          <p:cNvPr id="6" name="Retângulo 5"/>
+          <p:cNvSpPr/>
+          <p:nvPr/>
+        </p:nvSpPr>
+        <p:spPr>
+          <a:xfrm>
+            <a:off x="94593" y="3373820"/>
+            <a:ext cx="12170979" cy="262759"/>
+          </a:xfrm>
+          <a:prstGeom prst="rect">
+            <a:avLst/>
+          </a:prstGeom>
+          <a:solidFill>
+            <a:schemeClr val="tx1"/>
+          </a:solidFill>
+          <a:ln>
+            <a:solidFill>
+              <a:schemeClr val="tx1"/>
+            </a:solidFill>
+          </a:ln>
+        </p:spPr>
+        <p:style>
+          <a:lnRef idx="2">
+            <a:schemeClr val="accent1">
+              <a:shade val="50000"/>
+            </a:schemeClr>
+          </a:lnRef>
+          <a:fillRef idx="1">
+            <a:schemeClr val="accent1"/>
+          </a:fillRef>
+          <a:effectRef idx="0">
+            <a:schemeClr val="accent1"/>
+          </a:effectRef>
+          <a:fontRef idx="minor">
+            <a:schemeClr val="lt1"/>
+          </a:fontRef>
+        </p:style>
+        <p:txBody>
+          <a:bodyPr rtlCol="0" anchor="ctr"/>
+          <a:lstStyle/>
+          <a:p>
+            <a:pPr algn="ctr"/>
+            <a:endParaRPr lang="pt-PT"/>
+          </a:p>
+        </p:txBody>
+      </p:sp>
+      <p:sp>
+        <p:nvSpPr>
+          <p:cNvPr id="10" name="CaixaDeTexto 9"/>
+          <p:cNvSpPr txBox="1"/>
+          <p:nvPr/>
+        </p:nvSpPr>
+        <p:spPr>
+          <a:xfrm>
+            <a:off x="10068906" y="4076546"/>
+            <a:ext cx="756745" cy="369332"/>
+          </a:xfrm>
+          <a:prstGeom prst="rect">
+            <a:avLst/>
+          </a:prstGeom>
+          <a:noFill/>
+        </p:spPr>
+        <p:txBody>
+          <a:bodyPr wrap="square" rtlCol="0">
+            <a:spAutoFit/>
+          </a:bodyPr>
+          <a:lstStyle/>
+          <a:p>
+            <a:r>
+              <a:rPr lang="pt-PT" dirty="0" smtClean="0"/>
+              <a:t>1968</a:t>
+            </a:r>
+            <a:endParaRPr lang="pt-PT" dirty="0"/>
+          </a:p>
+        </p:txBody>
+      </p:sp>
+      <p:cxnSp>
+        <p:nvCxnSpPr>
+          <p:cNvPr id="11" name="Conexão reta 10"/>
+          <p:cNvCxnSpPr/>
+          <p:nvPr/>
+        </p:nvCxnSpPr>
+        <p:spPr>
+          <a:xfrm flipH="1">
+            <a:off x="10447278" y="3636581"/>
+            <a:ext cx="1" cy="471495"/>
+          </a:xfrm>
+          <a:prstGeom prst="line">
+            <a:avLst/>
+          </a:prstGeom>
+          <a:ln>
+            <a:solidFill>
+              <a:schemeClr val="tx1"/>
+            </a:solidFill>
+          </a:ln>
+        </p:spPr>
+        <p:style>
+          <a:lnRef idx="3">
+            <a:schemeClr val="dk1"/>
+          </a:lnRef>
+          <a:fillRef idx="0">
+            <a:schemeClr val="dk1"/>
+          </a:fillRef>
+          <a:effectRef idx="2">
+            <a:schemeClr val="dk1"/>
+          </a:effectRef>
+          <a:fontRef idx="minor">
+            <a:schemeClr val="tx1"/>
+          </a:fontRef>
+        </p:style>
+      </p:cxnSp>
+      <p:sp>
+        <p:nvSpPr>
+          <p:cNvPr id="8" name="CaixaDeTexto 7"/>
+          <p:cNvSpPr txBox="1"/>
+          <p:nvPr/>
+        </p:nvSpPr>
+        <p:spPr>
+          <a:xfrm>
+            <a:off x="1069417" y="4108075"/>
+            <a:ext cx="756745" cy="369332"/>
+          </a:xfrm>
+          <a:prstGeom prst="rect">
+            <a:avLst/>
+          </a:prstGeom>
+          <a:noFill/>
+        </p:spPr>
+        <p:txBody>
+          <a:bodyPr wrap="square" rtlCol="0">
+            <a:spAutoFit/>
+          </a:bodyPr>
+          <a:lstStyle/>
+          <a:p>
+            <a:r>
+              <a:rPr lang="pt-PT" dirty="0" smtClean="0"/>
+              <a:t>1945</a:t>
+            </a:r>
+            <a:endParaRPr lang="pt-PT" dirty="0"/>
+          </a:p>
+        </p:txBody>
+      </p:sp>
+      <p:cxnSp>
+        <p:nvCxnSpPr>
+          <p:cNvPr id="12" name="Conexão reta 11"/>
+          <p:cNvCxnSpPr/>
+          <p:nvPr/>
+        </p:nvCxnSpPr>
+        <p:spPr>
+          <a:xfrm flipH="1">
+            <a:off x="1387360" y="3636580"/>
+            <a:ext cx="1" cy="471495"/>
+          </a:xfrm>
+          <a:prstGeom prst="line">
+            <a:avLst/>
+          </a:prstGeom>
+          <a:ln>
+            <a:solidFill>
+              <a:schemeClr val="tx1"/>
+            </a:solidFill>
+          </a:ln>
+        </p:spPr>
+        <p:style>
+          <a:lnRef idx="3">
+            <a:schemeClr val="dk1"/>
+          </a:lnRef>
+          <a:fillRef idx="0">
+            <a:schemeClr val="dk1"/>
+          </a:fillRef>
+          <a:effectRef idx="2">
+            <a:schemeClr val="dk1"/>
+          </a:effectRef>
+          <a:fontRef idx="minor">
+            <a:schemeClr val="tx1"/>
+          </a:fontRef>
+        </p:style>
+      </p:cxnSp>
+      <p:sp>
+        <p:nvSpPr>
+          <p:cNvPr id="13" name="CaixaDeTexto 12"/>
+          <p:cNvSpPr txBox="1"/>
+          <p:nvPr/>
+        </p:nvSpPr>
+        <p:spPr>
+          <a:xfrm>
+            <a:off x="1954915" y="4076545"/>
+            <a:ext cx="756745" cy="369332"/>
+          </a:xfrm>
+          <a:prstGeom prst="rect">
+            <a:avLst/>
+          </a:prstGeom>
+          <a:noFill/>
+        </p:spPr>
+        <p:txBody>
+          <a:bodyPr wrap="square" rtlCol="0">
+            <a:spAutoFit/>
+          </a:bodyPr>
+          <a:lstStyle/>
+          <a:p>
+            <a:r>
+              <a:rPr lang="pt-PT" dirty="0" smtClean="0"/>
+              <a:t>1945</a:t>
+            </a:r>
+            <a:endParaRPr lang="pt-PT" dirty="0"/>
+          </a:p>
+        </p:txBody>
+      </p:sp>
+      <p:cxnSp>
+        <p:nvCxnSpPr>
+          <p:cNvPr id="14" name="Conexão reta 13"/>
+          <p:cNvCxnSpPr/>
+          <p:nvPr/>
+        </p:nvCxnSpPr>
+        <p:spPr>
+          <a:xfrm flipH="1">
+            <a:off x="2333288" y="3636580"/>
+            <a:ext cx="1" cy="471495"/>
+          </a:xfrm>
+          <a:prstGeom prst="line">
+            <a:avLst/>
+          </a:prstGeom>
+          <a:ln>
+            <a:solidFill>
+              <a:schemeClr val="tx1"/>
+            </a:solidFill>
+          </a:ln>
+        </p:spPr>
+        <p:style>
+          <a:lnRef idx="3">
+            <a:schemeClr val="dk1"/>
+          </a:lnRef>
+          <a:fillRef idx="0">
+            <a:schemeClr val="dk1"/>
+          </a:fillRef>
+          <a:effectRef idx="2">
+            <a:schemeClr val="dk1"/>
+          </a:effectRef>
+          <a:fontRef idx="minor">
+            <a:schemeClr val="tx1"/>
+          </a:fontRef>
+        </p:style>
+      </p:cxnSp>
+      <p:sp>
+        <p:nvSpPr>
+          <p:cNvPr id="15" name="CaixaDeTexto 14"/>
+          <p:cNvSpPr txBox="1"/>
+          <p:nvPr/>
+        </p:nvSpPr>
+        <p:spPr>
+          <a:xfrm>
+            <a:off x="2393716" y="4076545"/>
+            <a:ext cx="1027386" cy="584775"/>
+          </a:xfrm>
+          <a:prstGeom prst="rect">
+            <a:avLst/>
+          </a:prstGeom>
+          <a:noFill/>
+          <a:ln>
+            <a:solidFill>
+              <a:schemeClr val="accent1"/>
+            </a:solidFill>
+          </a:ln>
+        </p:spPr>
+        <p:txBody>
+          <a:bodyPr wrap="square" rtlCol="0">
+            <a:spAutoFit/>
+          </a:bodyPr>
+          <a:lstStyle/>
+          <a:p>
+            <a:r>
+              <a:rPr lang="pt-PT" sz="3200" dirty="0" smtClean="0">
+                <a:solidFill>
+                  <a:srgbClr val="FF0000"/>
+                </a:solidFill>
+              </a:rPr>
+              <a:t>1945</a:t>
+            </a:r>
+            <a:endParaRPr lang="pt-PT" sz="3200" dirty="0">
+              <a:solidFill>
+                <a:srgbClr val="FF0000"/>
+              </a:solidFill>
+            </a:endParaRPr>
+          </a:p>
+        </p:txBody>
+      </p:sp>
+      <p:cxnSp>
+        <p:nvCxnSpPr>
+          <p:cNvPr id="16" name="Conexão reta 15"/>
+          <p:cNvCxnSpPr/>
+          <p:nvPr/>
+        </p:nvCxnSpPr>
+        <p:spPr>
+          <a:xfrm flipH="1">
+            <a:off x="2911351" y="3636580"/>
+            <a:ext cx="1" cy="471495"/>
+          </a:xfrm>
+          <a:prstGeom prst="line">
+            <a:avLst/>
+          </a:prstGeom>
+          <a:ln>
+            <a:solidFill>
+              <a:schemeClr val="accent1"/>
+            </a:solidFill>
+          </a:ln>
+        </p:spPr>
+        <p:style>
+          <a:lnRef idx="3">
+            <a:schemeClr val="dk1"/>
+          </a:lnRef>
+          <a:fillRef idx="0">
+            <a:schemeClr val="dk1"/>
+          </a:fillRef>
+          <a:effectRef idx="2">
+            <a:schemeClr val="dk1"/>
+          </a:effectRef>
+          <a:fontRef idx="minor">
+            <a:schemeClr val="tx1"/>
+          </a:fontRef>
+        </p:style>
+      </p:cxnSp>
+      <p:sp>
+        <p:nvSpPr>
+          <p:cNvPr id="17" name="CaixaDeTexto 16"/>
+          <p:cNvSpPr txBox="1"/>
+          <p:nvPr/>
+        </p:nvSpPr>
+        <p:spPr>
+          <a:xfrm>
+            <a:off x="3142569" y="4076545"/>
+            <a:ext cx="756745" cy="369332"/>
+          </a:xfrm>
+          <a:prstGeom prst="rect">
+            <a:avLst/>
+          </a:prstGeom>
+          <a:noFill/>
+        </p:spPr>
+        <p:txBody>
+          <a:bodyPr wrap="square" rtlCol="0">
+            <a:spAutoFit/>
+          </a:bodyPr>
+          <a:lstStyle/>
+          <a:p>
+            <a:r>
+              <a:rPr lang="pt-PT" dirty="0" smtClean="0"/>
+              <a:t>1945</a:t>
+            </a:r>
+            <a:endParaRPr lang="pt-PT" dirty="0"/>
+          </a:p>
+        </p:txBody>
+      </p:sp>
+      <p:cxnSp>
+        <p:nvCxnSpPr>
+          <p:cNvPr id="18" name="Conexão reta 17"/>
+          <p:cNvCxnSpPr/>
+          <p:nvPr/>
+        </p:nvCxnSpPr>
+        <p:spPr>
+          <a:xfrm flipH="1">
+            <a:off x="3520942" y="3636580"/>
+            <a:ext cx="1" cy="471495"/>
+          </a:xfrm>
+          <a:prstGeom prst="line">
+            <a:avLst/>
+          </a:prstGeom>
+          <a:ln>
+            <a:solidFill>
+              <a:schemeClr val="tx1"/>
+            </a:solidFill>
+          </a:ln>
+        </p:spPr>
+        <p:style>
+          <a:lnRef idx="3">
+            <a:schemeClr val="dk1"/>
+          </a:lnRef>
+          <a:fillRef idx="0">
+            <a:schemeClr val="dk1"/>
+          </a:fillRef>
+          <a:effectRef idx="2">
+            <a:schemeClr val="dk1"/>
+          </a:effectRef>
+          <a:fontRef idx="minor">
+            <a:schemeClr val="tx1"/>
+          </a:fontRef>
+        </p:style>
+      </p:cxnSp>
+      <p:sp>
+        <p:nvSpPr>
+          <p:cNvPr id="19" name="CaixaDeTexto 18"/>
+          <p:cNvSpPr txBox="1"/>
+          <p:nvPr/>
+        </p:nvSpPr>
+        <p:spPr>
+          <a:xfrm>
+            <a:off x="5670312" y="4076545"/>
+            <a:ext cx="756745" cy="369332"/>
+          </a:xfrm>
+          <a:prstGeom prst="rect">
+            <a:avLst/>
+          </a:prstGeom>
+          <a:noFill/>
+        </p:spPr>
+        <p:txBody>
+          <a:bodyPr wrap="square" rtlCol="0">
+            <a:spAutoFit/>
+          </a:bodyPr>
+          <a:lstStyle/>
+          <a:p>
+            <a:r>
+              <a:rPr lang="pt-PT" dirty="0" smtClean="0"/>
+              <a:t>1945</a:t>
+            </a:r>
+            <a:endParaRPr lang="pt-PT" dirty="0"/>
+          </a:p>
+        </p:txBody>
+      </p:sp>
+      <p:cxnSp>
+        <p:nvCxnSpPr>
+          <p:cNvPr id="20" name="Conexão reta 19"/>
+          <p:cNvCxnSpPr/>
+          <p:nvPr/>
+        </p:nvCxnSpPr>
+        <p:spPr>
+          <a:xfrm flipH="1">
+            <a:off x="6048685" y="3636580"/>
+            <a:ext cx="1" cy="471495"/>
+          </a:xfrm>
+          <a:prstGeom prst="line">
+            <a:avLst/>
+          </a:prstGeom>
+          <a:ln>
+            <a:solidFill>
+              <a:schemeClr val="tx1"/>
+            </a:solidFill>
+          </a:ln>
+        </p:spPr>
+        <p:style>
+          <a:lnRef idx="3">
+            <a:schemeClr val="dk1"/>
+          </a:lnRef>
+          <a:fillRef idx="0">
+            <a:schemeClr val="dk1"/>
+          </a:fillRef>
+          <a:effectRef idx="2">
+            <a:schemeClr val="dk1"/>
+          </a:effectRef>
+          <a:fontRef idx="minor">
+            <a:schemeClr val="tx1"/>
+          </a:fontRef>
+        </p:style>
+      </p:cxnSp>
+      <p:sp>
+        <p:nvSpPr>
+          <p:cNvPr id="21" name="CaixaDeTexto 20"/>
+          <p:cNvSpPr txBox="1"/>
+          <p:nvPr/>
+        </p:nvSpPr>
+        <p:spPr>
+          <a:xfrm>
+            <a:off x="6731878" y="4076545"/>
+            <a:ext cx="756745" cy="369332"/>
+          </a:xfrm>
+          <a:prstGeom prst="rect">
+            <a:avLst/>
+          </a:prstGeom>
+          <a:noFill/>
+        </p:spPr>
+        <p:txBody>
+          <a:bodyPr wrap="square" rtlCol="0">
+            <a:spAutoFit/>
+          </a:bodyPr>
+          <a:lstStyle/>
+          <a:p>
+            <a:r>
+              <a:rPr lang="pt-PT" dirty="0" smtClean="0"/>
+              <a:t>1945</a:t>
+            </a:r>
+            <a:endParaRPr lang="pt-PT" dirty="0"/>
+          </a:p>
+        </p:txBody>
+      </p:sp>
+      <p:cxnSp>
+        <p:nvCxnSpPr>
+          <p:cNvPr id="22" name="Conexão reta 21"/>
+          <p:cNvCxnSpPr/>
+          <p:nvPr/>
+        </p:nvCxnSpPr>
+        <p:spPr>
+          <a:xfrm flipH="1">
+            <a:off x="7110251" y="3636580"/>
+            <a:ext cx="1" cy="471495"/>
+          </a:xfrm>
+          <a:prstGeom prst="line">
+            <a:avLst/>
+          </a:prstGeom>
+          <a:ln>
+            <a:solidFill>
+              <a:schemeClr val="tx1"/>
+            </a:solidFill>
+          </a:ln>
+        </p:spPr>
+        <p:style>
+          <a:lnRef idx="3">
+            <a:schemeClr val="dk1"/>
+          </a:lnRef>
+          <a:fillRef idx="0">
+            <a:schemeClr val="dk1"/>
+          </a:fillRef>
+          <a:effectRef idx="2">
+            <a:schemeClr val="dk1"/>
+          </a:effectRef>
+          <a:fontRef idx="minor">
+            <a:schemeClr val="tx1"/>
+          </a:fontRef>
+        </p:style>
+      </p:cxnSp>
+      <p:sp>
+        <p:nvSpPr>
+          <p:cNvPr id="23" name="CaixaDeTexto 22"/>
+          <p:cNvSpPr txBox="1"/>
+          <p:nvPr/>
+        </p:nvSpPr>
+        <p:spPr>
+          <a:xfrm>
+            <a:off x="9501347" y="4055523"/>
+            <a:ext cx="756745" cy="369332"/>
+          </a:xfrm>
+          <a:prstGeom prst="rect">
+            <a:avLst/>
+          </a:prstGeom>
+          <a:noFill/>
+        </p:spPr>
+        <p:txBody>
+          <a:bodyPr wrap="square" rtlCol="0">
+            <a:spAutoFit/>
+          </a:bodyPr>
+          <a:lstStyle/>
+          <a:p>
+            <a:r>
+              <a:rPr lang="pt-PT" dirty="0" smtClean="0"/>
+              <a:t>1945</a:t>
+            </a:r>
+            <a:endParaRPr lang="pt-PT" dirty="0"/>
+          </a:p>
+        </p:txBody>
+      </p:sp>
+      <p:cxnSp>
+        <p:nvCxnSpPr>
+          <p:cNvPr id="24" name="Conexão reta 23"/>
+          <p:cNvCxnSpPr/>
+          <p:nvPr/>
+        </p:nvCxnSpPr>
+        <p:spPr>
+          <a:xfrm flipH="1">
+            <a:off x="9879720" y="3615558"/>
+            <a:ext cx="1" cy="471495"/>
+          </a:xfrm>
+          <a:prstGeom prst="line">
+            <a:avLst/>
+          </a:prstGeom>
+          <a:ln>
+            <a:solidFill>
+              <a:schemeClr val="tx1"/>
+            </a:solidFill>
+          </a:ln>
+        </p:spPr>
+        <p:style>
+          <a:lnRef idx="3">
+            <a:schemeClr val="dk1"/>
+          </a:lnRef>
+          <a:fillRef idx="0">
+            <a:schemeClr val="dk1"/>
+          </a:fillRef>
+          <a:effectRef idx="2">
+            <a:schemeClr val="dk1"/>
+          </a:effectRef>
+          <a:fontRef idx="minor">
+            <a:schemeClr val="tx1"/>
+          </a:fontRef>
+        </p:style>
+      </p:cxnSp>
+      <p:sp>
+        <p:nvSpPr>
+          <p:cNvPr id="25" name="CaixaDeTexto 24"/>
+          <p:cNvSpPr txBox="1"/>
+          <p:nvPr/>
+        </p:nvSpPr>
+        <p:spPr>
+          <a:xfrm>
+            <a:off x="10494566" y="4045015"/>
+            <a:ext cx="756745" cy="369332"/>
+          </a:xfrm>
+          <a:prstGeom prst="rect">
+            <a:avLst/>
+          </a:prstGeom>
+          <a:noFill/>
+        </p:spPr>
+        <p:txBody>
+          <a:bodyPr wrap="square" rtlCol="0">
+            <a:spAutoFit/>
+          </a:bodyPr>
+          <a:lstStyle/>
+          <a:p>
+            <a:r>
+              <a:rPr lang="pt-PT" dirty="0" smtClean="0"/>
+              <a:t>1945</a:t>
+            </a:r>
+            <a:endParaRPr lang="pt-PT" dirty="0"/>
+          </a:p>
+        </p:txBody>
+      </p:sp>
+      <p:cxnSp>
+        <p:nvCxnSpPr>
+          <p:cNvPr id="26" name="Conexão reta 25"/>
+          <p:cNvCxnSpPr/>
+          <p:nvPr/>
+        </p:nvCxnSpPr>
+        <p:spPr>
+          <a:xfrm flipH="1">
+            <a:off x="10872939" y="3605050"/>
+            <a:ext cx="1" cy="471495"/>
+          </a:xfrm>
+          <a:prstGeom prst="line">
+            <a:avLst/>
+          </a:prstGeom>
+          <a:ln>
+            <a:solidFill>
+              <a:schemeClr val="tx1"/>
+            </a:solidFill>
+          </a:ln>
+        </p:spPr>
+        <p:style>
+          <a:lnRef idx="3">
+            <a:schemeClr val="dk1"/>
+          </a:lnRef>
+          <a:fillRef idx="0">
+            <a:schemeClr val="dk1"/>
+          </a:fillRef>
+          <a:effectRef idx="2">
+            <a:schemeClr val="dk1"/>
+          </a:effectRef>
+          <a:fontRef idx="minor">
+            <a:schemeClr val="tx1"/>
+          </a:fontRef>
+        </p:style>
+      </p:cxnSp>
+      <p:sp>
+        <p:nvSpPr>
+          <p:cNvPr id="27" name="CaixaDeTexto 26"/>
+          <p:cNvSpPr txBox="1"/>
+          <p:nvPr/>
+        </p:nvSpPr>
+        <p:spPr>
+          <a:xfrm>
+            <a:off x="10925491" y="4045015"/>
+            <a:ext cx="756745" cy="369332"/>
+          </a:xfrm>
+          <a:prstGeom prst="rect">
+            <a:avLst/>
+          </a:prstGeom>
+          <a:noFill/>
+        </p:spPr>
+        <p:txBody>
+          <a:bodyPr wrap="square" rtlCol="0">
+            <a:spAutoFit/>
+          </a:bodyPr>
+          <a:lstStyle/>
+          <a:p>
+            <a:r>
+              <a:rPr lang="pt-PT" dirty="0" smtClean="0"/>
+              <a:t>1945</a:t>
+            </a:r>
+            <a:endParaRPr lang="pt-PT" dirty="0"/>
+          </a:p>
+        </p:txBody>
+      </p:sp>
+      <p:cxnSp>
+        <p:nvCxnSpPr>
+          <p:cNvPr id="28" name="Conexão reta 27"/>
+          <p:cNvCxnSpPr/>
+          <p:nvPr/>
+        </p:nvCxnSpPr>
+        <p:spPr>
+          <a:xfrm flipH="1">
+            <a:off x="11303864" y="3605050"/>
+            <a:ext cx="1" cy="471495"/>
+          </a:xfrm>
+          <a:prstGeom prst="line">
+            <a:avLst/>
+          </a:prstGeom>
+          <a:ln>
+            <a:solidFill>
+              <a:schemeClr val="tx1"/>
+            </a:solidFill>
+          </a:ln>
+        </p:spPr>
+        <p:style>
+          <a:lnRef idx="3">
+            <a:schemeClr val="dk1"/>
+          </a:lnRef>
+          <a:fillRef idx="0">
+            <a:schemeClr val="dk1"/>
+          </a:fillRef>
+          <a:effectRef idx="2">
+            <a:schemeClr val="dk1"/>
+          </a:effectRef>
+          <a:fontRef idx="minor">
+            <a:schemeClr val="tx1"/>
+          </a:fontRef>
+        </p:style>
+      </p:cxnSp>
+      <p:sp>
+        <p:nvSpPr>
+          <p:cNvPr id="2" name="CaixaDeTexto 1"/>
+          <p:cNvSpPr txBox="1"/>
+          <p:nvPr/>
+        </p:nvSpPr>
+        <p:spPr>
+          <a:xfrm>
+            <a:off x="3052119" y="5659395"/>
+            <a:ext cx="184731" cy="369332"/>
+          </a:xfrm>
+          <a:prstGeom prst="rect">
+            <a:avLst/>
+          </a:prstGeom>
+          <a:noFill/>
+        </p:spPr>
+        <p:txBody>
+          <a:bodyPr wrap="none" rtlCol="0">
+            <a:spAutoFit/>
+          </a:bodyPr>
+          <a:lstStyle/>
+          <a:p>
+            <a:endParaRPr lang="pt-PT" dirty="0"/>
+          </a:p>
+        </p:txBody>
+      </p:sp>
+    </p:spTree>
+    <p:extLst>
+      <p:ext uri="{BB962C8B-B14F-4D97-AF65-F5344CB8AC3E}">
+        <p14:creationId xmlns:p14="http://schemas.microsoft.com/office/powerpoint/2010/main" val="1933146012"/>
       </p:ext>
     </p:extLst>
   </p:cSld>
